--- a/Assets/StreamingAssets/2D_Objects/Test/~Test Instructions_XF+KN.pptx
+++ b/Assets/StreamingAssets/2D_Objects/Test/~Test Instructions_XF+KN.pptx
@@ -5305,7 +5305,7 @@
         </p:spPr>
         <p:txBody>
           <a:bodyPr vert="horz" lIns="91440" tIns="45720" rIns="91440" bIns="45720" rtlCol="0">
-            <a:normAutofit/>
+            <a:normAutofit lnSpcReduction="10000"/>
           </a:bodyPr>
           <a:lstStyle>
             <a:lvl1pPr marL="228600" indent="-228600" algn="l" defTabSz="914400" rtl="0" eaLnBrk="1" latinLnBrk="0" hangingPunct="1">
@@ -5476,7 +5476,10 @@
               <a:buFont typeface="Arial" panose="020B0604020202020204" pitchFamily="34" charset="0"/>
               <a:buNone/>
             </a:pPr>
-            <a:endParaRPr lang="en-US" sz="4400" b="1" dirty="0"/>
+            <a:r>
+              <a:rPr lang="en-US" sz="4400" dirty="0"/>
+              <a:t>Great Job!!</a:t>
+            </a:r>
           </a:p>
           <a:p>
             <a:pPr marL="0" indent="0" algn="ctr">
@@ -5493,7 +5496,38 @@
             </a:r>
             <a:r>
               <a:rPr lang="en-US" sz="4400" dirty="0"/>
-              <a:t>section! Let’s move on to the </a:t>
+              <a:t>section! </a:t>
+            </a:r>
+          </a:p>
+          <a:p>
+            <a:pPr marL="0" indent="0" algn="ctr">
+              <a:buFont typeface="Arial" panose="020B0604020202020204" pitchFamily="34" charset="0"/>
+              <a:buNone/>
+            </a:pPr>
+            <a:r>
+              <a:rPr lang="en-US" sz="4400" b="1" dirty="0">
+                <a:solidFill>
+                  <a:srgbClr val="FF0000"/>
+                </a:solidFill>
+              </a:rPr>
+              <a:t>PLEASE NOTIFY THE EXPERIMENTER</a:t>
+            </a:r>
+          </a:p>
+          <a:p>
+            <a:pPr marL="0" indent="0" algn="ctr">
+              <a:buFont typeface="Arial" panose="020B0604020202020204" pitchFamily="34" charset="0"/>
+              <a:buNone/>
+            </a:pPr>
+            <a:endParaRPr lang="en-US" sz="4400" dirty="0"/>
+          </a:p>
+          <a:p>
+            <a:pPr marL="0" indent="0" algn="ctr">
+              <a:buFont typeface="Arial" panose="020B0604020202020204" pitchFamily="34" charset="0"/>
+              <a:buNone/>
+            </a:pPr>
+            <a:r>
+              <a:rPr lang="en-US" sz="4400" dirty="0"/>
+              <a:t>Let’s move on to the </a:t>
             </a:r>
             <a:r>
               <a:rPr lang="en-US" sz="4400" b="1" dirty="0"/>
@@ -9717,7 +9751,7 @@
             <a:noFill/>
             <a:extLst>
               <a:ext uri="{909E8E84-426E-40dd-AFC4-6F175D3DCCD1}">
-                <a14:hiddenFill xmlns:a14="http://schemas.microsoft.com/office/drawing/2010/main" xmlns="">
+                <a14:hiddenFill xmlns="" xmlns:a14="http://schemas.microsoft.com/office/drawing/2010/main">
                   <a:solidFill>
                     <a:srgbClr val="FFFFFF"/>
                   </a:solidFill>
@@ -9762,7 +9796,7 @@
             <a:noFill/>
             <a:extLst>
               <a:ext uri="{909E8E84-426E-40dd-AFC4-6F175D3DCCD1}">
-                <a14:hiddenFill xmlns:a14="http://schemas.microsoft.com/office/drawing/2010/main" xmlns="">
+                <a14:hiddenFill xmlns="" xmlns:a14="http://schemas.microsoft.com/office/drawing/2010/main">
                   <a:solidFill>
                     <a:srgbClr val="FFFFFF"/>
                   </a:solidFill>
@@ -9807,7 +9841,7 @@
             <a:noFill/>
             <a:extLst>
               <a:ext uri="{909E8E84-426E-40dd-AFC4-6F175D3DCCD1}">
-                <a14:hiddenFill xmlns:a14="http://schemas.microsoft.com/office/drawing/2010/main" xmlns="">
+                <a14:hiddenFill xmlns="" xmlns:a14="http://schemas.microsoft.com/office/drawing/2010/main">
                   <a:solidFill>
                     <a:srgbClr val="FFFFFF"/>
                   </a:solidFill>
